--- a/non-blocking-power-point.pptx
+++ b/non-blocking-power-point.pptx
@@ -16,8 +16,8 @@
     <p:sldId id="264" r:id="rId10"/>
     <p:sldId id="267" r:id="rId11"/>
     <p:sldId id="265" r:id="rId12"/>
-    <p:sldId id="266" r:id="rId13"/>
-    <p:sldId id="271" r:id="rId14"/>
+    <p:sldId id="271" r:id="rId13"/>
+    <p:sldId id="266" r:id="rId14"/>
   </p:sldIdLst>
   <p:sldSz cx="12192000" cy="6858000"/>
   <p:notesSz cx="6858000" cy="9144000"/>
@@ -8296,6 +8296,126 @@
 <file path=ppt/slides/slide12.xml><?xml version="1.0" encoding="utf-8"?>
 <p:sld xmlns:a="http://schemas.openxmlformats.org/drawingml/2006/main" xmlns:r="http://schemas.openxmlformats.org/officeDocument/2006/relationships" xmlns:p="http://schemas.openxmlformats.org/presentationml/2006/main">
   <p:cSld>
+    <p:spTree>
+      <p:nvGrpSpPr>
+        <p:cNvPr id="1" name=""/>
+        <p:cNvGrpSpPr/>
+        <p:nvPr/>
+      </p:nvGrpSpPr>
+      <p:grpSpPr>
+        <a:xfrm>
+          <a:off x="0" y="0"/>
+          <a:ext cx="0" cy="0"/>
+          <a:chOff x="0" y="0"/>
+          <a:chExt cx="0" cy="0"/>
+        </a:xfrm>
+      </p:grpSpPr>
+      <p:sp>
+        <p:nvSpPr>
+          <p:cNvPr id="2" name="Title 1">
+            <a:extLst>
+              <a:ext uri="{FF2B5EF4-FFF2-40B4-BE49-F238E27FC236}">
+                <a16:creationId xmlns:a16="http://schemas.microsoft.com/office/drawing/2014/main" id="{CFC3C7B2-3A00-A441-1626-2C07F87360B1}"/>
+              </a:ext>
+            </a:extLst>
+          </p:cNvPr>
+          <p:cNvSpPr>
+            <a:spLocks noGrp="1"/>
+          </p:cNvSpPr>
+          <p:nvPr>
+            <p:ph type="title"/>
+          </p:nvPr>
+        </p:nvSpPr>
+        <p:spPr>
+          <a:xfrm>
+            <a:off x="758951" y="758952"/>
+            <a:ext cx="4019525" cy="4754880"/>
+          </a:xfrm>
+        </p:spPr>
+        <p:txBody>
+          <a:bodyPr/>
+          <a:lstStyle/>
+          <a:p>
+            <a:r>
+              <a:rPr lang="en-US" dirty="0"/>
+              <a:t>Common Libraries &amp;</a:t>
+            </a:r>
+            <a:br>
+              <a:rPr lang="en-US" dirty="0"/>
+            </a:br>
+            <a:r>
+              <a:rPr lang="en-US" dirty="0"/>
+              <a:t>Frameworks</a:t>
+            </a:r>
+          </a:p>
+        </p:txBody>
+      </p:sp>
+      <p:sp>
+        <p:nvSpPr>
+          <p:cNvPr id="3" name="Content Placeholder 2">
+            <a:extLst>
+              <a:ext uri="{FF2B5EF4-FFF2-40B4-BE49-F238E27FC236}">
+                <a16:creationId xmlns:a16="http://schemas.microsoft.com/office/drawing/2014/main" id="{9C12E08D-4827-4AAD-8011-4EB18565F590}"/>
+              </a:ext>
+            </a:extLst>
+          </p:cNvPr>
+          <p:cNvSpPr>
+            <a:spLocks noGrp="1"/>
+          </p:cNvSpPr>
+          <p:nvPr>
+            <p:ph idx="1"/>
+          </p:nvPr>
+        </p:nvSpPr>
+        <p:spPr/>
+        <p:txBody>
+          <a:bodyPr/>
+          <a:lstStyle/>
+          <a:p>
+            <a:r>
+              <a:rPr lang="en-US" dirty="0"/>
+              <a:t>Node (JS)</a:t>
+            </a:r>
+          </a:p>
+          <a:p>
+            <a:r>
+              <a:rPr lang="en-US" dirty="0" err="1"/>
+              <a:t>Libuv</a:t>
+            </a:r>
+            <a:r>
+              <a:rPr lang="en-US" dirty="0"/>
+              <a:t> (C++)</a:t>
+            </a:r>
+          </a:p>
+          <a:p>
+            <a:r>
+              <a:rPr lang="en-US" dirty="0"/>
+              <a:t>Boost ASIO (C++)</a:t>
+            </a:r>
+          </a:p>
+          <a:p>
+            <a:r>
+              <a:rPr lang="en-US" dirty="0"/>
+              <a:t>C socket library and sys calls (read(), write(), socket(), select(), etc.)</a:t>
+            </a:r>
+          </a:p>
+        </p:txBody>
+      </p:sp>
+    </p:spTree>
+    <p:extLst>
+      <p:ext uri="{BB962C8B-B14F-4D97-AF65-F5344CB8AC3E}">
+        <p14:creationId xmlns:p14="http://schemas.microsoft.com/office/powerpoint/2010/main" val="1934444016"/>
+      </p:ext>
+    </p:extLst>
+  </p:cSld>
+  <p:clrMapOvr>
+    <a:masterClrMapping/>
+  </p:clrMapOvr>
+</p:sld>
+</file>
+
+<file path=ppt/slides/slide13.xml><?xml version="1.0" encoding="utf-8"?>
+<p:sld xmlns:a="http://schemas.openxmlformats.org/drawingml/2006/main" xmlns:r="http://schemas.openxmlformats.org/officeDocument/2006/relationships" xmlns:p="http://schemas.openxmlformats.org/presentationml/2006/main">
+  <p:cSld>
     <p:bg>
       <p:bgPr>
         <a:solidFill>
@@ -8887,126 +9007,6 @@
   </p:cSld>
   <p:clrMapOvr>
     <a:overrideClrMapping bg1="dk1" tx1="lt1" bg2="dk2" tx2="lt2" accent1="accent1" accent2="accent2" accent3="accent3" accent4="accent4" accent5="accent5" accent6="accent6" hlink="hlink" folHlink="folHlink"/>
-  </p:clrMapOvr>
-</p:sld>
-</file>
-
-<file path=ppt/slides/slide13.xml><?xml version="1.0" encoding="utf-8"?>
-<p:sld xmlns:a="http://schemas.openxmlformats.org/drawingml/2006/main" xmlns:r="http://schemas.openxmlformats.org/officeDocument/2006/relationships" xmlns:p="http://schemas.openxmlformats.org/presentationml/2006/main">
-  <p:cSld>
-    <p:spTree>
-      <p:nvGrpSpPr>
-        <p:cNvPr id="1" name=""/>
-        <p:cNvGrpSpPr/>
-        <p:nvPr/>
-      </p:nvGrpSpPr>
-      <p:grpSpPr>
-        <a:xfrm>
-          <a:off x="0" y="0"/>
-          <a:ext cx="0" cy="0"/>
-          <a:chOff x="0" y="0"/>
-          <a:chExt cx="0" cy="0"/>
-        </a:xfrm>
-      </p:grpSpPr>
-      <p:sp>
-        <p:nvSpPr>
-          <p:cNvPr id="2" name="Title 1">
-            <a:extLst>
-              <a:ext uri="{FF2B5EF4-FFF2-40B4-BE49-F238E27FC236}">
-                <a16:creationId xmlns:a16="http://schemas.microsoft.com/office/drawing/2014/main" id="{CFC3C7B2-3A00-A441-1626-2C07F87360B1}"/>
-              </a:ext>
-            </a:extLst>
-          </p:cNvPr>
-          <p:cNvSpPr>
-            <a:spLocks noGrp="1"/>
-          </p:cNvSpPr>
-          <p:nvPr>
-            <p:ph type="title"/>
-          </p:nvPr>
-        </p:nvSpPr>
-        <p:spPr>
-          <a:xfrm>
-            <a:off x="758951" y="758952"/>
-            <a:ext cx="4019525" cy="4754880"/>
-          </a:xfrm>
-        </p:spPr>
-        <p:txBody>
-          <a:bodyPr/>
-          <a:lstStyle/>
-          <a:p>
-            <a:r>
-              <a:rPr lang="en-US" dirty="0"/>
-              <a:t>Common Libraries &amp;</a:t>
-            </a:r>
-            <a:br>
-              <a:rPr lang="en-US" dirty="0"/>
-            </a:br>
-            <a:r>
-              <a:rPr lang="en-US" dirty="0"/>
-              <a:t>Frameworks</a:t>
-            </a:r>
-          </a:p>
-        </p:txBody>
-      </p:sp>
-      <p:sp>
-        <p:nvSpPr>
-          <p:cNvPr id="3" name="Content Placeholder 2">
-            <a:extLst>
-              <a:ext uri="{FF2B5EF4-FFF2-40B4-BE49-F238E27FC236}">
-                <a16:creationId xmlns:a16="http://schemas.microsoft.com/office/drawing/2014/main" id="{9C12E08D-4827-4AAD-8011-4EB18565F590}"/>
-              </a:ext>
-            </a:extLst>
-          </p:cNvPr>
-          <p:cNvSpPr>
-            <a:spLocks noGrp="1"/>
-          </p:cNvSpPr>
-          <p:nvPr>
-            <p:ph idx="1"/>
-          </p:nvPr>
-        </p:nvSpPr>
-        <p:spPr/>
-        <p:txBody>
-          <a:bodyPr/>
-          <a:lstStyle/>
-          <a:p>
-            <a:r>
-              <a:rPr lang="en-US" dirty="0"/>
-              <a:t>Node (JS)</a:t>
-            </a:r>
-          </a:p>
-          <a:p>
-            <a:r>
-              <a:rPr lang="en-US" dirty="0" err="1"/>
-              <a:t>Libuv</a:t>
-            </a:r>
-            <a:r>
-              <a:rPr lang="en-US" dirty="0"/>
-              <a:t> (C++)</a:t>
-            </a:r>
-          </a:p>
-          <a:p>
-            <a:r>
-              <a:rPr lang="en-US" dirty="0"/>
-              <a:t>Boost ASIO (C++)</a:t>
-            </a:r>
-          </a:p>
-          <a:p>
-            <a:r>
-              <a:rPr lang="en-US" dirty="0"/>
-              <a:t>C socket library and sys calls (read(), write(), socket(), select(), etc.)</a:t>
-            </a:r>
-          </a:p>
-        </p:txBody>
-      </p:sp>
-    </p:spTree>
-    <p:extLst>
-      <p:ext uri="{BB962C8B-B14F-4D97-AF65-F5344CB8AC3E}">
-        <p14:creationId xmlns:p14="http://schemas.microsoft.com/office/powerpoint/2010/main" val="1934444016"/>
-      </p:ext>
-    </p:extLst>
-  </p:cSld>
-  <p:clrMapOvr>
-    <a:masterClrMapping/>
   </p:clrMapOvr>
 </p:sld>
 </file>
